--- a/ゼミ/ゼミ0518.pptx
+++ b/ゼミ/ゼミ0518.pptx
@@ -115,6 +115,11 @@
       </a:defRPr>
     </a:lvl9pPr>
   </p:defaultTextStyle>
+  <p:extLst>
+    <p:ext uri="{EFAFB233-063F-42B5-8137-9DF3F51BA10A}">
+      <p15:sldGuideLst xmlns:p15="http://schemas.microsoft.com/office/powerpoint/2012/main"/>
+    </p:ext>
+  </p:extLst>
 </p:presentation>
 </file>
 
@@ -200,7 +205,7 @@
           <a:p>
             <a:fld id="{3562E9E5-769A-7A4E-BEF3-FBE62B3B5DEA}" type="datetimeFigureOut">
               <a:rPr kumimoji="1" lang="ja-JP" altLang="en-US" smtClean="0"/>
-              <a:t>2021/5/15</a:t>
+              <a:t>2021/8/24</a:t>
             </a:fld>
             <a:endParaRPr kumimoji="1" lang="ja-JP" altLang="en-US"/>
           </a:p>
@@ -2526,6 +2531,17 @@
               </a:rPr>
               <a:t>の厳しさ、</a:t>
             </a:r>
+            <a:endParaRPr kumimoji="1" lang="en-US" altLang="ja-JP" sz="1200" kern="1200" dirty="0">
+              <a:solidFill>
+                <a:schemeClr val="tx1"/>
+              </a:solidFill>
+              <a:effectLst/>
+              <a:latin typeface="+mn-lt"/>
+              <a:ea typeface="+mn-ea"/>
+              <a:cs typeface="+mn-cs"/>
+            </a:endParaRPr>
+          </a:p>
+          <a:p>
             <a:r>
               <a:rPr kumimoji="1" lang="en-US" altLang="ja-JP" sz="1200" kern="1200" dirty="0">
                 <a:solidFill>
@@ -4528,7 +4544,7 @@
           <a:p>
             <a:fld id="{47E520C4-EAF3-2F4C-843A-9165D4E08013}" type="datetimeFigureOut">
               <a:rPr kumimoji="1" lang="ja-JP" altLang="en-US" smtClean="0"/>
-              <a:t>2021/5/13</a:t>
+              <a:t>2021/8/24</a:t>
             </a:fld>
             <a:endParaRPr kumimoji="1" lang="ja-JP" altLang="en-US"/>
           </a:p>
@@ -4758,7 +4774,7 @@
           <a:p>
             <a:fld id="{47E520C4-EAF3-2F4C-843A-9165D4E08013}" type="datetimeFigureOut">
               <a:rPr kumimoji="1" lang="ja-JP" altLang="en-US" smtClean="0"/>
-              <a:t>2021/5/13</a:t>
+              <a:t>2021/8/24</a:t>
             </a:fld>
             <a:endParaRPr kumimoji="1" lang="ja-JP" altLang="en-US"/>
           </a:p>
@@ -4998,7 +5014,7 @@
           <a:p>
             <a:fld id="{47E520C4-EAF3-2F4C-843A-9165D4E08013}" type="datetimeFigureOut">
               <a:rPr kumimoji="1" lang="ja-JP" altLang="en-US" smtClean="0"/>
-              <a:t>2021/5/13</a:t>
+              <a:t>2021/8/24</a:t>
             </a:fld>
             <a:endParaRPr kumimoji="1" lang="ja-JP" altLang="en-US"/>
           </a:p>
@@ -5228,7 +5244,7 @@
           <a:p>
             <a:fld id="{47E520C4-EAF3-2F4C-843A-9165D4E08013}" type="datetimeFigureOut">
               <a:rPr kumimoji="1" lang="ja-JP" altLang="en-US" smtClean="0"/>
-              <a:t>2021/5/13</a:t>
+              <a:t>2021/8/24</a:t>
             </a:fld>
             <a:endParaRPr kumimoji="1" lang="ja-JP" altLang="en-US"/>
           </a:p>
@@ -5503,7 +5519,7 @@
           <a:p>
             <a:fld id="{47E520C4-EAF3-2F4C-843A-9165D4E08013}" type="datetimeFigureOut">
               <a:rPr kumimoji="1" lang="ja-JP" altLang="en-US" smtClean="0"/>
-              <a:t>2021/5/13</a:t>
+              <a:t>2021/8/24</a:t>
             </a:fld>
             <a:endParaRPr kumimoji="1" lang="ja-JP" altLang="en-US"/>
           </a:p>
@@ -5832,7 +5848,7 @@
           <a:p>
             <a:fld id="{47E520C4-EAF3-2F4C-843A-9165D4E08013}" type="datetimeFigureOut">
               <a:rPr kumimoji="1" lang="ja-JP" altLang="en-US" smtClean="0"/>
-              <a:t>2021/5/13</a:t>
+              <a:t>2021/8/24</a:t>
             </a:fld>
             <a:endParaRPr kumimoji="1" lang="ja-JP" altLang="en-US"/>
           </a:p>
@@ -6308,7 +6324,7 @@
           <a:p>
             <a:fld id="{47E520C4-EAF3-2F4C-843A-9165D4E08013}" type="datetimeFigureOut">
               <a:rPr kumimoji="1" lang="ja-JP" altLang="en-US" smtClean="0"/>
-              <a:t>2021/5/13</a:t>
+              <a:t>2021/8/24</a:t>
             </a:fld>
             <a:endParaRPr kumimoji="1" lang="ja-JP" altLang="en-US"/>
           </a:p>
@@ -6449,7 +6465,7 @@
           <a:p>
             <a:fld id="{47E520C4-EAF3-2F4C-843A-9165D4E08013}" type="datetimeFigureOut">
               <a:rPr kumimoji="1" lang="ja-JP" altLang="en-US" smtClean="0"/>
-              <a:t>2021/5/13</a:t>
+              <a:t>2021/8/24</a:t>
             </a:fld>
             <a:endParaRPr kumimoji="1" lang="ja-JP" altLang="en-US"/>
           </a:p>
@@ -6562,7 +6578,7 @@
           <a:p>
             <a:fld id="{47E520C4-EAF3-2F4C-843A-9165D4E08013}" type="datetimeFigureOut">
               <a:rPr kumimoji="1" lang="ja-JP" altLang="en-US" smtClean="0"/>
-              <a:t>2021/5/13</a:t>
+              <a:t>2021/8/24</a:t>
             </a:fld>
             <a:endParaRPr kumimoji="1" lang="ja-JP" altLang="en-US"/>
           </a:p>
@@ -6905,7 +6921,7 @@
           <a:p>
             <a:fld id="{47E520C4-EAF3-2F4C-843A-9165D4E08013}" type="datetimeFigureOut">
               <a:rPr kumimoji="1" lang="ja-JP" altLang="en-US" smtClean="0"/>
-              <a:t>2021/5/13</a:t>
+              <a:t>2021/8/24</a:t>
             </a:fld>
             <a:endParaRPr kumimoji="1" lang="ja-JP" altLang="en-US"/>
           </a:p>
@@ -7193,7 +7209,7 @@
           <a:p>
             <a:fld id="{47E520C4-EAF3-2F4C-843A-9165D4E08013}" type="datetimeFigureOut">
               <a:rPr kumimoji="1" lang="ja-JP" altLang="en-US" smtClean="0"/>
-              <a:t>2021/5/13</a:t>
+              <a:t>2021/8/24</a:t>
             </a:fld>
             <a:endParaRPr kumimoji="1" lang="ja-JP" altLang="en-US"/>
           </a:p>
@@ -7466,7 +7482,7 @@
           <a:p>
             <a:fld id="{47E520C4-EAF3-2F4C-843A-9165D4E08013}" type="datetimeFigureOut">
               <a:rPr kumimoji="1" lang="ja-JP" altLang="en-US" smtClean="0"/>
-              <a:t>2021/5/13</a:t>
+              <a:t>2021/8/24</a:t>
             </a:fld>
             <a:endParaRPr kumimoji="1" lang="ja-JP" altLang="en-US"/>
           </a:p>
@@ -8255,8 +8271,8 @@
           </a:p>
         </p:txBody>
       </p:sp>
-      <mc:AlternateContent xmlns:mc="http://schemas.openxmlformats.org/markup-compatibility/2006">
-        <mc:Choice xmlns:a14="http://schemas.microsoft.com/office/drawing/2010/main" Requires="a14">
+      <mc:AlternateContent xmlns:mc="http://schemas.openxmlformats.org/markup-compatibility/2006" xmlns:a14="http://schemas.microsoft.com/office/drawing/2010/main">
+        <mc:Choice Requires="a14">
           <p:sp>
             <p:nvSpPr>
               <p:cNvPr id="3" name="コンテンツ プレースホルダー 2">
@@ -8905,7 +8921,7 @@
             </p:txBody>
           </p:sp>
         </mc:Choice>
-        <mc:Fallback>
+        <mc:Fallback xmlns="">
           <p:sp>
             <p:nvSpPr>
               <p:cNvPr id="3" name="コンテンツ プレースホルダー 2">
@@ -9003,8 +9019,8 @@
           </a:p>
         </p:txBody>
       </p:sp>
-      <mc:AlternateContent xmlns:mc="http://schemas.openxmlformats.org/markup-compatibility/2006">
-        <mc:Choice xmlns:a14="http://schemas.microsoft.com/office/drawing/2010/main" Requires="a14">
+      <mc:AlternateContent xmlns:mc="http://schemas.openxmlformats.org/markup-compatibility/2006" xmlns:a14="http://schemas.microsoft.com/office/drawing/2010/main">
+        <mc:Choice Requires="a14">
           <p:sp>
             <p:nvSpPr>
               <p:cNvPr id="3" name="コンテンツ プレースホルダー 2">
@@ -9122,7 +9138,9 @@
                     <m:func>
                       <m:funcPr>
                         <m:ctrlPr>
-                          <a:rPr lang="ja-JP" altLang="ja-JP" i="1"/>
+                          <a:rPr lang="ja-JP" altLang="ja-JP" i="1">
+                            <a:latin typeface="Cambria Math" panose="02040503050406030204" pitchFamily="18" charset="0"/>
+                          </a:rPr>
                         </m:ctrlPr>
                       </m:funcPr>
                       <m:fName>
@@ -9130,7 +9148,9 @@
                           <m:rPr>
                             <m:sty m:val="p"/>
                           </m:rPr>
-                          <a:rPr lang="en-US" altLang="ja-JP"/>
+                          <a:rPr lang="en-US" altLang="ja-JP">
+                            <a:latin typeface="Cambria Math" panose="02040503050406030204" pitchFamily="18" charset="0"/>
+                          </a:rPr>
                           <m:t>ln</m:t>
                         </m:r>
                       </m:fName>
@@ -9138,25 +9158,33 @@
                         <m:f>
                           <m:fPr>
                             <m:ctrlPr>
-                              <a:rPr lang="ja-JP" altLang="ja-JP" i="1"/>
+                              <a:rPr lang="ja-JP" altLang="ja-JP" i="1">
+                                <a:latin typeface="Cambria Math" panose="02040503050406030204" pitchFamily="18" charset="0"/>
+                              </a:rPr>
                             </m:ctrlPr>
                           </m:fPr>
                           <m:num>
                             <m:sSub>
                               <m:sSubPr>
                                 <m:ctrlPr>
-                                  <a:rPr lang="ja-JP" altLang="ja-JP" i="1"/>
+                                  <a:rPr lang="ja-JP" altLang="ja-JP" i="1">
+                                    <a:latin typeface="Cambria Math" panose="02040503050406030204" pitchFamily="18" charset="0"/>
+                                  </a:rPr>
                                 </m:ctrlPr>
                               </m:sSubPr>
                               <m:e>
                                 <m:r>
-                                  <a:rPr lang="en-US" altLang="ja-JP" i="1"/>
+                                  <a:rPr lang="en-US" altLang="ja-JP" i="1">
+                                    <a:latin typeface="Cambria Math" panose="02040503050406030204" pitchFamily="18" charset="0"/>
+                                  </a:rPr>
                                   <m:t>𝑃</m:t>
                                 </m:r>
                               </m:e>
                               <m:sub>
                                 <m:r>
-                                  <a:rPr lang="en-US" altLang="ja-JP" i="1"/>
+                                  <a:rPr lang="en-US" altLang="ja-JP" i="1">
+                                    <a:latin typeface="Cambria Math" panose="02040503050406030204" pitchFamily="18" charset="0"/>
+                                  </a:rPr>
                                   <m:t>𝑛𝑙𝑖𝑚𝑘</m:t>
                                 </m:r>
                               </m:sub>
@@ -9164,24 +9192,32 @@
                           </m:num>
                           <m:den>
                             <m:r>
-                              <a:rPr lang="en-US" altLang="ja-JP" i="1"/>
+                              <a:rPr lang="en-US" altLang="ja-JP" i="1">
+                                <a:latin typeface="Cambria Math" panose="02040503050406030204" pitchFamily="18" charset="0"/>
+                              </a:rPr>
                               <m:t>1−</m:t>
                             </m:r>
                             <m:sSub>
                               <m:sSubPr>
                                 <m:ctrlPr>
-                                  <a:rPr lang="ja-JP" altLang="ja-JP" i="1"/>
+                                  <a:rPr lang="ja-JP" altLang="ja-JP" i="1">
+                                    <a:latin typeface="Cambria Math" panose="02040503050406030204" pitchFamily="18" charset="0"/>
+                                  </a:rPr>
                                 </m:ctrlPr>
                               </m:sSubPr>
                               <m:e>
                                 <m:r>
-                                  <a:rPr lang="en-US" altLang="ja-JP" i="1"/>
+                                  <a:rPr lang="en-US" altLang="ja-JP" i="1">
+                                    <a:latin typeface="Cambria Math" panose="02040503050406030204" pitchFamily="18" charset="0"/>
+                                  </a:rPr>
                                   <m:t>𝑃</m:t>
                                 </m:r>
                               </m:e>
                               <m:sub>
                                 <m:r>
-                                  <a:rPr lang="en-US" altLang="ja-JP" i="1"/>
+                                  <a:rPr lang="en-US" altLang="ja-JP" i="1">
+                                    <a:latin typeface="Cambria Math" panose="02040503050406030204" pitchFamily="18" charset="0"/>
+                                  </a:rPr>
                                   <m:t>𝑛𝑙𝑖𝑚𝑘</m:t>
                                 </m:r>
                               </m:sub>
@@ -9189,13 +9225,17 @@
                           </m:den>
                         </m:f>
                         <m:r>
-                          <a:rPr lang="en-US" altLang="ja-JP" i="1"/>
+                          <a:rPr lang="en-US" altLang="ja-JP" i="1">
+                            <a:latin typeface="Cambria Math" panose="02040503050406030204" pitchFamily="18" charset="0"/>
+                          </a:rPr>
                           <m:t>=</m:t>
                         </m:r>
                         <m:sSub>
                           <m:sSubPr>
                             <m:ctrlPr>
-                              <a:rPr lang="ja-JP" altLang="ja-JP" i="1"/>
+                              <a:rPr lang="ja-JP" altLang="ja-JP" i="1">
+                                <a:latin typeface="Cambria Math" panose="02040503050406030204" pitchFamily="18" charset="0"/>
+                              </a:rPr>
                             </m:ctrlPr>
                           </m:sSubPr>
                           <m:e>
@@ -9208,19 +9248,25 @@
                           </m:e>
                           <m:sub>
                             <m:r>
-                              <a:rPr lang="en-US" altLang="ja-JP" i="1"/>
+                              <a:rPr lang="en-US" altLang="ja-JP" i="1">
+                                <a:latin typeface="Cambria Math" panose="02040503050406030204" pitchFamily="18" charset="0"/>
+                              </a:rPr>
                               <m:t>𝑛</m:t>
                             </m:r>
                           </m:sub>
                         </m:sSub>
                         <m:r>
-                          <a:rPr lang="en-US" altLang="ja-JP" i="1"/>
+                          <a:rPr lang="en-US" altLang="ja-JP" i="1">
+                            <a:latin typeface="Cambria Math" panose="02040503050406030204" pitchFamily="18" charset="0"/>
+                          </a:rPr>
                           <m:t>−</m:t>
                         </m:r>
                         <m:sSub>
                           <m:sSubPr>
                             <m:ctrlPr>
-                              <a:rPr lang="ja-JP" altLang="ja-JP" i="1"/>
+                              <a:rPr lang="ja-JP" altLang="ja-JP" i="1">
+                                <a:latin typeface="Cambria Math" panose="02040503050406030204" pitchFamily="18" charset="0"/>
+                              </a:rPr>
                             </m:ctrlPr>
                           </m:sSubPr>
                           <m:e>
@@ -9233,42 +9279,56 @@
                           </m:e>
                           <m:sub>
                             <m:r>
-                              <a:rPr lang="en-US" altLang="ja-JP" i="1"/>
+                              <a:rPr lang="en-US" altLang="ja-JP" i="1">
+                                <a:latin typeface="Cambria Math" panose="02040503050406030204" pitchFamily="18" charset="0"/>
+                              </a:rPr>
                               <m:t>𝑚</m:t>
                             </m:r>
                           </m:sub>
                         </m:sSub>
                         <m:r>
-                          <a:rPr lang="en-US" altLang="ja-JP" i="1"/>
+                          <a:rPr lang="en-US" altLang="ja-JP" i="1">
+                            <a:latin typeface="Cambria Math" panose="02040503050406030204" pitchFamily="18" charset="0"/>
+                          </a:rPr>
                           <m:t>−</m:t>
                         </m:r>
                         <m:sSub>
                           <m:sSubPr>
                             <m:ctrlPr>
-                              <a:rPr lang="ja-JP" altLang="ja-JP" i="1"/>
+                              <a:rPr lang="ja-JP" altLang="ja-JP" i="1">
+                                <a:latin typeface="Cambria Math" panose="02040503050406030204" pitchFamily="18" charset="0"/>
+                              </a:rPr>
                             </m:ctrlPr>
                           </m:sSubPr>
                           <m:e>
                             <m:r>
-                              <a:rPr lang="en-US" altLang="ja-JP" i="1"/>
+                              <a:rPr lang="en-US" altLang="ja-JP" i="1">
+                                <a:latin typeface="Cambria Math" panose="02040503050406030204" pitchFamily="18" charset="0"/>
+                              </a:rPr>
                               <m:t>𝐶</m:t>
                             </m:r>
                           </m:e>
                           <m:sub>
                             <m:r>
-                              <a:rPr lang="en-US" altLang="ja-JP" i="1"/>
+                              <a:rPr lang="en-US" altLang="ja-JP" i="1">
+                                <a:latin typeface="Cambria Math" panose="02040503050406030204" pitchFamily="18" charset="0"/>
+                              </a:rPr>
                               <m:t>𝑙</m:t>
                             </m:r>
                           </m:sub>
                         </m:sSub>
                         <m:r>
-                          <a:rPr lang="en-US" altLang="ja-JP" i="1"/>
+                          <a:rPr lang="en-US" altLang="ja-JP" i="1">
+                            <a:latin typeface="Cambria Math" panose="02040503050406030204" pitchFamily="18" charset="0"/>
+                          </a:rPr>
                           <m:t>−</m:t>
                         </m:r>
                         <m:sSub>
                           <m:sSubPr>
                             <m:ctrlPr>
-                              <a:rPr lang="ja-JP" altLang="ja-JP" i="1"/>
+                              <a:rPr lang="ja-JP" altLang="ja-JP" i="1">
+                                <a:latin typeface="Cambria Math" panose="02040503050406030204" pitchFamily="18" charset="0"/>
+                              </a:rPr>
                             </m:ctrlPr>
                           </m:sSubPr>
                           <m:e>
@@ -9281,19 +9341,25 @@
                           </m:e>
                           <m:sub>
                             <m:r>
-                              <a:rPr lang="en-US" altLang="ja-JP" i="1"/>
+                              <a:rPr lang="en-US" altLang="ja-JP" i="1">
+                                <a:latin typeface="Cambria Math" panose="02040503050406030204" pitchFamily="18" charset="0"/>
+                              </a:rPr>
                               <m:t>𝑖</m:t>
                             </m:r>
                           </m:sub>
                         </m:sSub>
                         <m:r>
-                          <a:rPr lang="en-US" altLang="ja-JP" i="1"/>
+                          <a:rPr lang="en-US" altLang="ja-JP" i="1">
+                            <a:latin typeface="Cambria Math" panose="02040503050406030204" pitchFamily="18" charset="0"/>
+                          </a:rPr>
                           <m:t>−</m:t>
                         </m:r>
                         <m:sSub>
                           <m:sSubPr>
                             <m:ctrlPr>
-                              <a:rPr lang="ja-JP" altLang="ja-JP" i="1"/>
+                              <a:rPr lang="ja-JP" altLang="ja-JP" i="1">
+                                <a:latin typeface="Cambria Math" panose="02040503050406030204" pitchFamily="18" charset="0"/>
+                              </a:rPr>
                             </m:ctrlPr>
                           </m:sSubPr>
                           <m:e>
@@ -9306,7 +9372,9 @@
                           </m:e>
                           <m:sub>
                             <m:r>
-                              <a:rPr lang="en-US" altLang="ja-JP" i="1"/>
+                              <a:rPr lang="en-US" altLang="ja-JP" i="1">
+                                <a:latin typeface="Cambria Math" panose="02040503050406030204" pitchFamily="18" charset="0"/>
+                              </a:rPr>
                               <m:t>𝑘</m:t>
                             </m:r>
                           </m:sub>
@@ -9443,7 +9511,7 @@
             </p:txBody>
           </p:sp>
         </mc:Choice>
-        <mc:Fallback>
+        <mc:Fallback xmlns="">
           <p:sp>
             <p:nvSpPr>
               <p:cNvPr id="3" name="コンテンツ プレースホルダー 2">
@@ -9548,8 +9616,8 @@
           </a:p>
         </p:txBody>
       </p:sp>
-      <mc:AlternateContent xmlns:mc="http://schemas.openxmlformats.org/markup-compatibility/2006">
-        <mc:Choice xmlns:a14="http://schemas.microsoft.com/office/drawing/2010/main" Requires="a14">
+      <mc:AlternateContent xmlns:mc="http://schemas.openxmlformats.org/markup-compatibility/2006" xmlns:a14="http://schemas.microsoft.com/office/drawing/2010/main">
+        <mc:Choice Requires="a14">
           <p:sp>
             <p:nvSpPr>
               <p:cNvPr id="3" name="コンテンツ プレースホルダー 2">
@@ -9591,18 +9659,24 @@
                 <a14:m>
                   <m:oMath xmlns:m="http://schemas.openxmlformats.org/officeDocument/2006/math">
                     <m:r>
-                      <a:rPr lang="ja-JP" altLang="ja-JP" i="1"/>
+                      <a:rPr lang="ja-JP" altLang="ja-JP" i="1">
+                        <a:latin typeface="Cambria Math" panose="02040503050406030204" pitchFamily="18" charset="0"/>
+                      </a:rPr>
                       <m:t>厳し</m:t>
                     </m:r>
                     <m:sSub>
                       <m:sSubPr>
                         <m:ctrlPr>
-                          <a:rPr lang="ja-JP" altLang="ja-JP" i="1"/>
+                          <a:rPr lang="ja-JP" altLang="ja-JP" i="1">
+                            <a:latin typeface="Cambria Math" panose="02040503050406030204" pitchFamily="18" charset="0"/>
+                          </a:rPr>
                         </m:ctrlPr>
                       </m:sSubPr>
                       <m:e>
                         <m:r>
-                          <a:rPr lang="ja-JP" altLang="ja-JP" i="1"/>
+                          <a:rPr lang="ja-JP" altLang="ja-JP" i="1">
+                            <a:latin typeface="Cambria Math" panose="02040503050406030204" pitchFamily="18" charset="0"/>
+                          </a:rPr>
                           <m:t>さ</m:t>
                         </m:r>
                       </m:e>
@@ -9616,24 +9690,32 @@
                       </m:sub>
                     </m:sSub>
                     <m:r>
-                      <a:rPr lang="en-US" altLang="ja-JP" i="1"/>
+                      <a:rPr lang="en-US" altLang="ja-JP" i="1">
+                        <a:latin typeface="Cambria Math" panose="02040503050406030204" pitchFamily="18" charset="0"/>
+                      </a:rPr>
                       <m:t>=</m:t>
                     </m:r>
                     <m:sSub>
                       <m:sSubPr>
                         <m:ctrlPr>
-                          <a:rPr lang="ja-JP" altLang="ja-JP" i="1"/>
+                          <a:rPr lang="ja-JP" altLang="ja-JP" i="1">
+                            <a:latin typeface="Cambria Math" panose="02040503050406030204" pitchFamily="18" charset="0"/>
+                          </a:rPr>
                         </m:ctrlPr>
                       </m:sSubPr>
                       <m:e>
                         <m:r>
-                          <a:rPr lang="en-US" altLang="ja-JP" i="1"/>
+                          <a:rPr lang="en-US" altLang="ja-JP" i="1">
+                            <a:latin typeface="Cambria Math" panose="02040503050406030204" pitchFamily="18" charset="0"/>
+                          </a:rPr>
                           <m:t>𝜋</m:t>
                         </m:r>
                       </m:e>
                       <m:sub>
                         <m:r>
-                          <a:rPr lang="en-US" altLang="ja-JP" i="1"/>
+                          <a:rPr lang="en-US" altLang="ja-JP" i="1">
+                            <a:latin typeface="Cambria Math" panose="02040503050406030204" pitchFamily="18" charset="0"/>
+                          </a:rPr>
                           <m:t>0</m:t>
                         </m:r>
                         <m:r>
@@ -9645,24 +9727,32 @@
                       </m:sub>
                     </m:sSub>
                     <m:r>
-                      <a:rPr lang="en-US" altLang="ja-JP" i="1"/>
+                      <a:rPr lang="en-US" altLang="ja-JP" i="1">
+                        <a:latin typeface="Cambria Math" panose="02040503050406030204" pitchFamily="18" charset="0"/>
+                      </a:rPr>
                       <m:t>+</m:t>
                     </m:r>
                     <m:sSub>
                       <m:sSubPr>
                         <m:ctrlPr>
-                          <a:rPr lang="ja-JP" altLang="ja-JP" i="1"/>
+                          <a:rPr lang="ja-JP" altLang="ja-JP" i="1">
+                            <a:latin typeface="Cambria Math" panose="02040503050406030204" pitchFamily="18" charset="0"/>
+                          </a:rPr>
                         </m:ctrlPr>
                       </m:sSubPr>
                       <m:e>
                         <m:r>
-                          <a:rPr lang="en-US" altLang="ja-JP" i="1"/>
+                          <a:rPr lang="en-US" altLang="ja-JP" i="1">
+                            <a:latin typeface="Cambria Math" panose="02040503050406030204" pitchFamily="18" charset="0"/>
+                          </a:rPr>
                           <m:t>𝜋</m:t>
                         </m:r>
                       </m:e>
                       <m:sub>
                         <m:r>
-                          <a:rPr lang="en-US" altLang="ja-JP" i="1"/>
+                          <a:rPr lang="en-US" altLang="ja-JP" i="1">
+                            <a:latin typeface="Cambria Math" panose="02040503050406030204" pitchFamily="18" charset="0"/>
+                          </a:rPr>
                           <m:t>1</m:t>
                         </m:r>
                         <m:r>
@@ -9676,12 +9766,16 @@
                     <m:sSub>
                       <m:sSubPr>
                         <m:ctrlPr>
-                          <a:rPr lang="ja-JP" altLang="ja-JP" i="1" smtClean="0"/>
+                          <a:rPr lang="ja-JP" altLang="ja-JP" i="1" smtClean="0">
+                            <a:latin typeface="Cambria Math" panose="02040503050406030204" pitchFamily="18" charset="0"/>
+                          </a:rPr>
                         </m:ctrlPr>
                       </m:sSubPr>
                       <m:e>
                         <m:r>
-                          <a:rPr lang="en-US" altLang="ja-JP" i="1"/>
+                          <a:rPr lang="en-US" altLang="ja-JP" i="1">
+                            <a:latin typeface="Cambria Math" panose="02040503050406030204" pitchFamily="18" charset="0"/>
+                          </a:rPr>
                           <m:t>𝛼</m:t>
                         </m:r>
                       </m:e>
@@ -9695,18 +9789,24 @@
                       </m:sub>
                     </m:sSub>
                     <m:r>
-                      <a:rPr lang="en-US" altLang="ja-JP" i="1"/>
+                      <a:rPr lang="en-US" altLang="ja-JP" i="1">
+                        <a:latin typeface="Cambria Math" panose="02040503050406030204" pitchFamily="18" charset="0"/>
+                      </a:rPr>
                       <m:t>+</m:t>
                     </m:r>
                     <m:sSub>
                       <m:sSubPr>
                         <m:ctrlPr>
-                          <a:rPr lang="ja-JP" altLang="ja-JP" i="1"/>
+                          <a:rPr lang="ja-JP" altLang="ja-JP" i="1">
+                            <a:latin typeface="Cambria Math" panose="02040503050406030204" pitchFamily="18" charset="0"/>
+                          </a:rPr>
                         </m:ctrlPr>
                       </m:sSubPr>
                       <m:e>
                         <m:r>
-                          <a:rPr lang="en-US" altLang="ja-JP" i="1"/>
+                          <a:rPr lang="en-US" altLang="ja-JP" i="1">
+                            <a:latin typeface="Cambria Math" panose="02040503050406030204" pitchFamily="18" charset="0"/>
+                          </a:rPr>
                           <m:t>𝑒</m:t>
                         </m:r>
                       </m:e>
@@ -9720,38 +9820,52 @@
                       </m:sub>
                     </m:sSub>
                     <m:r>
-                      <a:rPr lang="en-US" altLang="ja-JP" i="1"/>
+                      <a:rPr lang="en-US" altLang="ja-JP" i="1">
+                        <a:latin typeface="Cambria Math" panose="02040503050406030204" pitchFamily="18" charset="0"/>
+                      </a:rPr>
                       <m:t>         </m:t>
                     </m:r>
                     <m:r>
-                      <a:rPr lang="en-US" altLang="ja-JP" i="1"/>
+                      <a:rPr lang="en-US" altLang="ja-JP" i="1">
+                        <a:latin typeface="Cambria Math" panose="02040503050406030204" pitchFamily="18" charset="0"/>
+                      </a:rPr>
                       <m:t>𝑁</m:t>
                     </m:r>
                     <m:r>
-                      <a:rPr lang="en-US" altLang="ja-JP" i="1"/>
+                      <a:rPr lang="en-US" altLang="ja-JP" i="1">
+                        <a:latin typeface="Cambria Math" panose="02040503050406030204" pitchFamily="18" charset="0"/>
+                      </a:rPr>
                       <m:t>~(0,</m:t>
                     </m:r>
                     <m:sSup>
                       <m:sSupPr>
                         <m:ctrlPr>
-                          <a:rPr lang="ja-JP" altLang="ja-JP" i="1"/>
+                          <a:rPr lang="ja-JP" altLang="ja-JP" i="1">
+                            <a:latin typeface="Cambria Math" panose="02040503050406030204" pitchFamily="18" charset="0"/>
+                          </a:rPr>
                         </m:ctrlPr>
                       </m:sSupPr>
                       <m:e>
                         <m:r>
-                          <a:rPr lang="en-US" altLang="ja-JP" i="1"/>
+                          <a:rPr lang="en-US" altLang="ja-JP" i="1">
+                            <a:latin typeface="Cambria Math" panose="02040503050406030204" pitchFamily="18" charset="0"/>
+                          </a:rPr>
                           <m:t>𝜎</m:t>
                         </m:r>
                       </m:e>
                       <m:sup>
                         <m:r>
-                          <a:rPr lang="en-US" altLang="ja-JP" i="1"/>
+                          <a:rPr lang="en-US" altLang="ja-JP" i="1">
+                            <a:latin typeface="Cambria Math" panose="02040503050406030204" pitchFamily="18" charset="0"/>
+                          </a:rPr>
                           <m:t>2</m:t>
                         </m:r>
                       </m:sup>
                     </m:sSup>
                     <m:r>
-                      <a:rPr lang="en-US" altLang="ja-JP" i="1"/>
+                      <a:rPr lang="en-US" altLang="ja-JP" i="1">
+                        <a:latin typeface="Cambria Math" panose="02040503050406030204" pitchFamily="18" charset="0"/>
+                      </a:rPr>
                       <m:t>)</m:t>
                     </m:r>
                   </m:oMath>
@@ -9779,32 +9893,42 @@
                         <m:begChr m:val="{"/>
                         <m:endChr m:val=""/>
                         <m:ctrlPr>
-                          <a:rPr lang="ja-JP" altLang="ja-JP" i="1"/>
+                          <a:rPr lang="ja-JP" altLang="ja-JP" i="1">
+                            <a:latin typeface="Cambria Math" panose="02040503050406030204" pitchFamily="18" charset="0"/>
+                          </a:rPr>
                         </m:ctrlPr>
                       </m:dPr>
                       <m:e>
                         <m:eqArr>
                           <m:eqArrPr>
                             <m:ctrlPr>
-                              <a:rPr lang="ja-JP" altLang="ja-JP" i="1"/>
+                              <a:rPr lang="ja-JP" altLang="ja-JP" i="1">
+                                <a:latin typeface="Cambria Math" panose="02040503050406030204" pitchFamily="18" charset="0"/>
+                              </a:rPr>
                             </m:ctrlPr>
                           </m:eqArrPr>
                           <m:e>
                             <m:sSub>
                               <m:sSubPr>
                                 <m:ctrlPr>
-                                  <a:rPr lang="ja-JP" altLang="ja-JP" i="1"/>
+                                  <a:rPr lang="ja-JP" altLang="ja-JP" i="1">
+                                    <a:latin typeface="Cambria Math" panose="02040503050406030204" pitchFamily="18" charset="0"/>
+                                  </a:rPr>
                                 </m:ctrlPr>
                               </m:sSubPr>
                               <m:e>
                                 <m:r>
-                                  <a:rPr lang="en-US" altLang="ja-JP" i="1"/>
+                                  <a:rPr lang="en-US" altLang="ja-JP" i="1">
+                                    <a:latin typeface="Cambria Math" panose="02040503050406030204" pitchFamily="18" charset="0"/>
+                                  </a:rPr>
                                   <m:t>𝜋</m:t>
                                 </m:r>
                               </m:e>
                               <m:sub>
                                 <m:r>
-                                  <a:rPr lang="en-US" altLang="ja-JP" i="1"/>
+                                  <a:rPr lang="en-US" altLang="ja-JP" i="1">
+                                    <a:latin typeface="Cambria Math" panose="02040503050406030204" pitchFamily="18" charset="0"/>
+                                  </a:rPr>
                                   <m:t>0</m:t>
                                 </m:r>
                                 <m:r>
@@ -9816,47 +9940,63 @@
                               </m:sub>
                             </m:sSub>
                             <m:r>
-                              <a:rPr lang="en-US" altLang="ja-JP" i="1"/>
+                              <a:rPr lang="en-US" altLang="ja-JP" i="1">
+                                <a:latin typeface="Cambria Math" panose="02040503050406030204" pitchFamily="18" charset="0"/>
+                              </a:rPr>
                               <m:t>=</m:t>
                             </m:r>
                             <m:sSub>
                               <m:sSubPr>
                                 <m:ctrlPr>
-                                  <a:rPr lang="ja-JP" altLang="ja-JP" i="1"/>
+                                  <a:rPr lang="ja-JP" altLang="ja-JP" i="1">
+                                    <a:latin typeface="Cambria Math" panose="02040503050406030204" pitchFamily="18" charset="0"/>
+                                  </a:rPr>
                                 </m:ctrlPr>
                               </m:sSubPr>
                               <m:e>
                                 <m:r>
-                                  <a:rPr lang="en-US" altLang="ja-JP" i="1"/>
+                                  <a:rPr lang="en-US" altLang="ja-JP" i="1">
+                                    <a:latin typeface="Cambria Math" panose="02040503050406030204" pitchFamily="18" charset="0"/>
+                                  </a:rPr>
                                   <m:t>𝛽</m:t>
                                 </m:r>
                               </m:e>
                               <m:sub>
                                 <m:r>
-                                  <a:rPr lang="en-US" altLang="ja-JP" i="1"/>
+                                  <a:rPr lang="en-US" altLang="ja-JP" i="1">
+                                    <a:latin typeface="Cambria Math" panose="02040503050406030204" pitchFamily="18" charset="0"/>
+                                  </a:rPr>
                                   <m:t>00</m:t>
                                 </m:r>
                               </m:sub>
                             </m:sSub>
                             <m:r>
-                              <a:rPr lang="en-US" altLang="ja-JP" i="1"/>
+                              <a:rPr lang="en-US" altLang="ja-JP" i="1">
+                                <a:latin typeface="Cambria Math" panose="02040503050406030204" pitchFamily="18" charset="0"/>
+                              </a:rPr>
                               <m:t>+</m:t>
                             </m:r>
                             <m:sSub>
                               <m:sSubPr>
                                 <m:ctrlPr>
-                                  <a:rPr lang="ja-JP" altLang="ja-JP" i="1"/>
+                                  <a:rPr lang="ja-JP" altLang="ja-JP" i="1">
+                                    <a:latin typeface="Cambria Math" panose="02040503050406030204" pitchFamily="18" charset="0"/>
+                                  </a:rPr>
                                 </m:ctrlPr>
                               </m:sSubPr>
                               <m:e>
                                 <m:r>
-                                  <a:rPr lang="en-US" altLang="ja-JP" i="1"/>
+                                  <a:rPr lang="en-US" altLang="ja-JP" i="1">
+                                    <a:latin typeface="Cambria Math" panose="02040503050406030204" pitchFamily="18" charset="0"/>
+                                  </a:rPr>
                                   <m:t>𝑟</m:t>
                                 </m:r>
                               </m:e>
                               <m:sub>
                                 <m:r>
-                                  <a:rPr lang="en-US" altLang="ja-JP" i="1"/>
+                                  <a:rPr lang="en-US" altLang="ja-JP" i="1">
+                                    <a:latin typeface="Cambria Math" panose="02040503050406030204" pitchFamily="18" charset="0"/>
+                                  </a:rPr>
                                   <m:t>0</m:t>
                                 </m:r>
                                 <m:r>
@@ -9872,18 +10012,24 @@
                             <m:sSub>
                               <m:sSubPr>
                                 <m:ctrlPr>
-                                  <a:rPr lang="ja-JP" altLang="ja-JP" i="1"/>
+                                  <a:rPr lang="ja-JP" altLang="ja-JP" i="1">
+                                    <a:latin typeface="Cambria Math" panose="02040503050406030204" pitchFamily="18" charset="0"/>
+                                  </a:rPr>
                                 </m:ctrlPr>
                               </m:sSubPr>
                               <m:e>
                                 <m:r>
-                                  <a:rPr lang="en-US" altLang="ja-JP" i="1"/>
+                                  <a:rPr lang="en-US" altLang="ja-JP" i="1">
+                                    <a:latin typeface="Cambria Math" panose="02040503050406030204" pitchFamily="18" charset="0"/>
+                                  </a:rPr>
                                   <m:t>𝜋</m:t>
                                 </m:r>
                               </m:e>
                               <m:sub>
                                 <m:r>
-                                  <a:rPr lang="en-US" altLang="ja-JP" i="1"/>
+                                  <a:rPr lang="en-US" altLang="ja-JP" i="1">
+                                    <a:latin typeface="Cambria Math" panose="02040503050406030204" pitchFamily="18" charset="0"/>
+                                  </a:rPr>
                                   <m:t>1</m:t>
                                 </m:r>
                                 <m:r>
@@ -9895,47 +10041,63 @@
                               </m:sub>
                             </m:sSub>
                             <m:r>
-                              <a:rPr lang="en-US" altLang="ja-JP" i="1"/>
+                              <a:rPr lang="en-US" altLang="ja-JP" i="1">
+                                <a:latin typeface="Cambria Math" panose="02040503050406030204" pitchFamily="18" charset="0"/>
+                              </a:rPr>
                               <m:t>=</m:t>
                             </m:r>
                             <m:sSub>
                               <m:sSubPr>
                                 <m:ctrlPr>
-                                  <a:rPr lang="ja-JP" altLang="ja-JP" i="1"/>
+                                  <a:rPr lang="ja-JP" altLang="ja-JP" i="1">
+                                    <a:latin typeface="Cambria Math" panose="02040503050406030204" pitchFamily="18" charset="0"/>
+                                  </a:rPr>
                                 </m:ctrlPr>
                               </m:sSubPr>
                               <m:e>
                                 <m:r>
-                                  <a:rPr lang="en-US" altLang="ja-JP" i="1"/>
+                                  <a:rPr lang="en-US" altLang="ja-JP" i="1">
+                                    <a:latin typeface="Cambria Math" panose="02040503050406030204" pitchFamily="18" charset="0"/>
+                                  </a:rPr>
                                   <m:t>𝛽</m:t>
                                 </m:r>
                               </m:e>
                               <m:sub>
                                 <m:r>
-                                  <a:rPr lang="en-US" altLang="ja-JP" i="1"/>
+                                  <a:rPr lang="en-US" altLang="ja-JP" i="1">
+                                    <a:latin typeface="Cambria Math" panose="02040503050406030204" pitchFamily="18" charset="0"/>
+                                  </a:rPr>
                                   <m:t>10</m:t>
                                 </m:r>
                               </m:sub>
                             </m:sSub>
                             <m:r>
-                              <a:rPr lang="en-US" altLang="ja-JP" i="1"/>
+                              <a:rPr lang="en-US" altLang="ja-JP" i="1">
+                                <a:latin typeface="Cambria Math" panose="02040503050406030204" pitchFamily="18" charset="0"/>
+                              </a:rPr>
                               <m:t>+</m:t>
                             </m:r>
                             <m:sSub>
                               <m:sSubPr>
                                 <m:ctrlPr>
-                                  <a:rPr lang="ja-JP" altLang="ja-JP" i="1"/>
+                                  <a:rPr lang="ja-JP" altLang="ja-JP" i="1">
+                                    <a:latin typeface="Cambria Math" panose="02040503050406030204" pitchFamily="18" charset="0"/>
+                                  </a:rPr>
                                 </m:ctrlPr>
                               </m:sSubPr>
                               <m:e>
                                 <m:r>
-                                  <a:rPr lang="en-US" altLang="ja-JP" i="1"/>
+                                  <a:rPr lang="en-US" altLang="ja-JP" i="1">
+                                    <a:latin typeface="Cambria Math" panose="02040503050406030204" pitchFamily="18" charset="0"/>
+                                  </a:rPr>
                                   <m:t>𝑟</m:t>
                                 </m:r>
                               </m:e>
                               <m:sub>
                                 <m:r>
-                                  <a:rPr lang="en-US" altLang="ja-JP" i="1"/>
+                                  <a:rPr lang="en-US" altLang="ja-JP" i="1">
+                                    <a:latin typeface="Cambria Math" panose="02040503050406030204" pitchFamily="18" charset="0"/>
+                                  </a:rPr>
                                   <m:t>1</m:t>
                                 </m:r>
                                 <m:r>
@@ -10053,35 +10215,47 @@
                     </m:oMathParaPr>
                     <m:oMath xmlns:m="http://schemas.openxmlformats.org/officeDocument/2006/math">
                       <m:r>
-                        <a:rPr lang="en-US" altLang="ja-JP" i="1"/>
+                        <a:rPr lang="en-US" altLang="ja-JP" i="1">
+                          <a:latin typeface="Cambria Math" panose="02040503050406030204" pitchFamily="18" charset="0"/>
+                        </a:rPr>
                         <m:t>𝐼𝐶𝐶</m:t>
                       </m:r>
                       <m:r>
-                        <a:rPr lang="en-US" altLang="ja-JP" i="1"/>
+                        <a:rPr lang="en-US" altLang="ja-JP" i="1">
+                          <a:latin typeface="Cambria Math" panose="02040503050406030204" pitchFamily="18" charset="0"/>
+                        </a:rPr>
                         <m:t>=</m:t>
                       </m:r>
                       <m:f>
                         <m:fPr>
                           <m:ctrlPr>
-                            <a:rPr lang="ja-JP" altLang="ja-JP" i="1"/>
+                            <a:rPr lang="ja-JP" altLang="ja-JP" i="1">
+                              <a:latin typeface="Cambria Math" panose="02040503050406030204" pitchFamily="18" charset="0"/>
+                            </a:rPr>
                           </m:ctrlPr>
                         </m:fPr>
                         <m:num>
                           <m:sSub>
                             <m:sSubPr>
                               <m:ctrlPr>
-                                <a:rPr lang="ja-JP" altLang="ja-JP" i="1"/>
+                                <a:rPr lang="ja-JP" altLang="ja-JP" i="1">
+                                  <a:latin typeface="Cambria Math" panose="02040503050406030204" pitchFamily="18" charset="0"/>
+                                </a:rPr>
                               </m:ctrlPr>
                             </m:sSubPr>
                             <m:e>
                               <m:r>
-                                <a:rPr lang="en-US" altLang="ja-JP" i="1"/>
+                                <a:rPr lang="en-US" altLang="ja-JP" i="1">
+                                  <a:latin typeface="Cambria Math" panose="02040503050406030204" pitchFamily="18" charset="0"/>
+                                </a:rPr>
                                 <m:t>𝜏</m:t>
                               </m:r>
                             </m:e>
                             <m:sub>
                               <m:r>
-                                <a:rPr lang="en-US" altLang="ja-JP" i="1"/>
+                                <a:rPr lang="en-US" altLang="ja-JP" i="1">
+                                  <a:latin typeface="Cambria Math" panose="02040503050406030204" pitchFamily="18" charset="0"/>
+                                </a:rPr>
                                 <m:t>00</m:t>
                               </m:r>
                             </m:sub>
@@ -10091,41 +10265,55 @@
                           <m:sSub>
                             <m:sSubPr>
                               <m:ctrlPr>
-                                <a:rPr lang="ja-JP" altLang="ja-JP" i="1"/>
+                                <a:rPr lang="ja-JP" altLang="ja-JP" i="1">
+                                  <a:latin typeface="Cambria Math" panose="02040503050406030204" pitchFamily="18" charset="0"/>
+                                </a:rPr>
                               </m:ctrlPr>
                             </m:sSubPr>
                             <m:e>
                               <m:r>
-                                <a:rPr lang="en-US" altLang="ja-JP" i="1"/>
+                                <a:rPr lang="en-US" altLang="ja-JP" i="1">
+                                  <a:latin typeface="Cambria Math" panose="02040503050406030204" pitchFamily="18" charset="0"/>
+                                </a:rPr>
                                 <m:t>𝜏</m:t>
                               </m:r>
                             </m:e>
                             <m:sub>
                               <m:r>
-                                <a:rPr lang="en-US" altLang="ja-JP" i="1"/>
+                                <a:rPr lang="en-US" altLang="ja-JP" i="1">
+                                  <a:latin typeface="Cambria Math" panose="02040503050406030204" pitchFamily="18" charset="0"/>
+                                </a:rPr>
                                 <m:t>00</m:t>
                               </m:r>
                             </m:sub>
                           </m:sSub>
                           <m:r>
-                            <a:rPr lang="en-US" altLang="ja-JP" i="1"/>
+                            <a:rPr lang="en-US" altLang="ja-JP" i="1">
+                              <a:latin typeface="Cambria Math" panose="02040503050406030204" pitchFamily="18" charset="0"/>
+                            </a:rPr>
                             <m:t>+</m:t>
                           </m:r>
                           <m:sSup>
                             <m:sSupPr>
                               <m:ctrlPr>
-                                <a:rPr lang="ja-JP" altLang="ja-JP" i="1"/>
+                                <a:rPr lang="ja-JP" altLang="ja-JP" i="1">
+                                  <a:latin typeface="Cambria Math" panose="02040503050406030204" pitchFamily="18" charset="0"/>
+                                </a:rPr>
                               </m:ctrlPr>
                             </m:sSupPr>
                             <m:e>
                               <m:r>
-                                <a:rPr lang="en-US" altLang="ja-JP" i="1"/>
+                                <a:rPr lang="en-US" altLang="ja-JP" i="1">
+                                  <a:latin typeface="Cambria Math" panose="02040503050406030204" pitchFamily="18" charset="0"/>
+                                </a:rPr>
                                 <m:t>𝜎</m:t>
                               </m:r>
                             </m:e>
                             <m:sup>
                               <m:r>
-                                <a:rPr lang="en-US" altLang="ja-JP" i="1"/>
+                                <a:rPr lang="en-US" altLang="ja-JP" i="1">
+                                  <a:latin typeface="Cambria Math" panose="02040503050406030204" pitchFamily="18" charset="0"/>
+                                </a:rPr>
                                 <m:t>2</m:t>
                               </m:r>
                             </m:sup>
@@ -10140,7 +10328,7 @@
             </p:txBody>
           </p:sp>
         </mc:Choice>
-        <mc:Fallback>
+        <mc:Fallback xmlns="">
           <p:sp>
             <p:nvSpPr>
               <p:cNvPr id="3" name="コンテンツ プレースホルダー 2">

--- a/ゼミ/ゼミ0518.pptx
+++ b/ゼミ/ゼミ0518.pptx
@@ -205,7 +205,7 @@
           <a:p>
             <a:fld id="{3562E9E5-769A-7A4E-BEF3-FBE62B3B5DEA}" type="datetimeFigureOut">
               <a:rPr kumimoji="1" lang="ja-JP" altLang="en-US" smtClean="0"/>
-              <a:t>2021/8/24</a:t>
+              <a:t>2021/9/13</a:t>
             </a:fld>
             <a:endParaRPr kumimoji="1" lang="ja-JP" altLang="en-US"/>
           </a:p>
@@ -4544,7 +4544,7 @@
           <a:p>
             <a:fld id="{47E520C4-EAF3-2F4C-843A-9165D4E08013}" type="datetimeFigureOut">
               <a:rPr kumimoji="1" lang="ja-JP" altLang="en-US" smtClean="0"/>
-              <a:t>2021/8/24</a:t>
+              <a:t>2021/9/13</a:t>
             </a:fld>
             <a:endParaRPr kumimoji="1" lang="ja-JP" altLang="en-US"/>
           </a:p>
@@ -4774,7 +4774,7 @@
           <a:p>
             <a:fld id="{47E520C4-EAF3-2F4C-843A-9165D4E08013}" type="datetimeFigureOut">
               <a:rPr kumimoji="1" lang="ja-JP" altLang="en-US" smtClean="0"/>
-              <a:t>2021/8/24</a:t>
+              <a:t>2021/9/13</a:t>
             </a:fld>
             <a:endParaRPr kumimoji="1" lang="ja-JP" altLang="en-US"/>
           </a:p>
@@ -5014,7 +5014,7 @@
           <a:p>
             <a:fld id="{47E520C4-EAF3-2F4C-843A-9165D4E08013}" type="datetimeFigureOut">
               <a:rPr kumimoji="1" lang="ja-JP" altLang="en-US" smtClean="0"/>
-              <a:t>2021/8/24</a:t>
+              <a:t>2021/9/13</a:t>
             </a:fld>
             <a:endParaRPr kumimoji="1" lang="ja-JP" altLang="en-US"/>
           </a:p>
@@ -5244,7 +5244,7 @@
           <a:p>
             <a:fld id="{47E520C4-EAF3-2F4C-843A-9165D4E08013}" type="datetimeFigureOut">
               <a:rPr kumimoji="1" lang="ja-JP" altLang="en-US" smtClean="0"/>
-              <a:t>2021/8/24</a:t>
+              <a:t>2021/9/13</a:t>
             </a:fld>
             <a:endParaRPr kumimoji="1" lang="ja-JP" altLang="en-US"/>
           </a:p>
@@ -5519,7 +5519,7 @@
           <a:p>
             <a:fld id="{47E520C4-EAF3-2F4C-843A-9165D4E08013}" type="datetimeFigureOut">
               <a:rPr kumimoji="1" lang="ja-JP" altLang="en-US" smtClean="0"/>
-              <a:t>2021/8/24</a:t>
+              <a:t>2021/9/13</a:t>
             </a:fld>
             <a:endParaRPr kumimoji="1" lang="ja-JP" altLang="en-US"/>
           </a:p>
@@ -5848,7 +5848,7 @@
           <a:p>
             <a:fld id="{47E520C4-EAF3-2F4C-843A-9165D4E08013}" type="datetimeFigureOut">
               <a:rPr kumimoji="1" lang="ja-JP" altLang="en-US" smtClean="0"/>
-              <a:t>2021/8/24</a:t>
+              <a:t>2021/9/13</a:t>
             </a:fld>
             <a:endParaRPr kumimoji="1" lang="ja-JP" altLang="en-US"/>
           </a:p>
@@ -6324,7 +6324,7 @@
           <a:p>
             <a:fld id="{47E520C4-EAF3-2F4C-843A-9165D4E08013}" type="datetimeFigureOut">
               <a:rPr kumimoji="1" lang="ja-JP" altLang="en-US" smtClean="0"/>
-              <a:t>2021/8/24</a:t>
+              <a:t>2021/9/13</a:t>
             </a:fld>
             <a:endParaRPr kumimoji="1" lang="ja-JP" altLang="en-US"/>
           </a:p>
@@ -6465,7 +6465,7 @@
           <a:p>
             <a:fld id="{47E520C4-EAF3-2F4C-843A-9165D4E08013}" type="datetimeFigureOut">
               <a:rPr kumimoji="1" lang="ja-JP" altLang="en-US" smtClean="0"/>
-              <a:t>2021/8/24</a:t>
+              <a:t>2021/9/13</a:t>
             </a:fld>
             <a:endParaRPr kumimoji="1" lang="ja-JP" altLang="en-US"/>
           </a:p>
@@ -6578,7 +6578,7 @@
           <a:p>
             <a:fld id="{47E520C4-EAF3-2F4C-843A-9165D4E08013}" type="datetimeFigureOut">
               <a:rPr kumimoji="1" lang="ja-JP" altLang="en-US" smtClean="0"/>
-              <a:t>2021/8/24</a:t>
+              <a:t>2021/9/13</a:t>
             </a:fld>
             <a:endParaRPr kumimoji="1" lang="ja-JP" altLang="en-US"/>
           </a:p>
@@ -6921,7 +6921,7 @@
           <a:p>
             <a:fld id="{47E520C4-EAF3-2F4C-843A-9165D4E08013}" type="datetimeFigureOut">
               <a:rPr kumimoji="1" lang="ja-JP" altLang="en-US" smtClean="0"/>
-              <a:t>2021/8/24</a:t>
+              <a:t>2021/9/13</a:t>
             </a:fld>
             <a:endParaRPr kumimoji="1" lang="ja-JP" altLang="en-US"/>
           </a:p>
@@ -7209,7 +7209,7 @@
           <a:p>
             <a:fld id="{47E520C4-EAF3-2F4C-843A-9165D4E08013}" type="datetimeFigureOut">
               <a:rPr kumimoji="1" lang="ja-JP" altLang="en-US" smtClean="0"/>
-              <a:t>2021/8/24</a:t>
+              <a:t>2021/9/13</a:t>
             </a:fld>
             <a:endParaRPr kumimoji="1" lang="ja-JP" altLang="en-US"/>
           </a:p>
@@ -7482,7 +7482,7 @@
           <a:p>
             <a:fld id="{47E520C4-EAF3-2F4C-843A-9165D4E08013}" type="datetimeFigureOut">
               <a:rPr kumimoji="1" lang="ja-JP" altLang="en-US" smtClean="0"/>
-              <a:t>2021/8/24</a:t>
+              <a:t>2021/9/13</a:t>
             </a:fld>
             <a:endParaRPr kumimoji="1" lang="ja-JP" altLang="en-US"/>
           </a:p>
